--- a/계획_미완.pptx
+++ b/계획_미완.pptx
@@ -7,6 +7,7 @@
   <p:sldIdLst>
     <p:sldId id="257" r:id="rId2"/>
     <p:sldId id="256" r:id="rId3"/>
+    <p:sldId id="258" r:id="rId4"/>
   </p:sldIdLst>
   <p:sldSz cx="12192000" cy="6858000"/>
   <p:notesSz cx="6858000" cy="9144000"/>
@@ -239,7 +240,7 @@
           <a:p>
             <a:fld id="{61D863C5-9DB8-48A2-B5C1-82BDEA3317DC}" type="datetimeFigureOut">
               <a:rPr lang="ko-KR" altLang="en-US" smtClean="0"/>
-              <a:t>2018-11-01</a:t>
+              <a:t>2018-11-26</a:t>
             </a:fld>
             <a:endParaRPr lang="ko-KR" altLang="en-US"/>
           </a:p>
@@ -409,7 +410,7 @@
           <a:p>
             <a:fld id="{61D863C5-9DB8-48A2-B5C1-82BDEA3317DC}" type="datetimeFigureOut">
               <a:rPr lang="ko-KR" altLang="en-US" smtClean="0"/>
-              <a:t>2018-11-01</a:t>
+              <a:t>2018-11-26</a:t>
             </a:fld>
             <a:endParaRPr lang="ko-KR" altLang="en-US"/>
           </a:p>
@@ -589,7 +590,7 @@
           <a:p>
             <a:fld id="{61D863C5-9DB8-48A2-B5C1-82BDEA3317DC}" type="datetimeFigureOut">
               <a:rPr lang="ko-KR" altLang="en-US" smtClean="0"/>
-              <a:t>2018-11-01</a:t>
+              <a:t>2018-11-26</a:t>
             </a:fld>
             <a:endParaRPr lang="ko-KR" altLang="en-US"/>
           </a:p>
@@ -759,7 +760,7 @@
           <a:p>
             <a:fld id="{61D863C5-9DB8-48A2-B5C1-82BDEA3317DC}" type="datetimeFigureOut">
               <a:rPr lang="ko-KR" altLang="en-US" smtClean="0"/>
-              <a:t>2018-11-01</a:t>
+              <a:t>2018-11-26</a:t>
             </a:fld>
             <a:endParaRPr lang="ko-KR" altLang="en-US"/>
           </a:p>
@@ -1005,7 +1006,7 @@
           <a:p>
             <a:fld id="{61D863C5-9DB8-48A2-B5C1-82BDEA3317DC}" type="datetimeFigureOut">
               <a:rPr lang="ko-KR" altLang="en-US" smtClean="0"/>
-              <a:t>2018-11-01</a:t>
+              <a:t>2018-11-26</a:t>
             </a:fld>
             <a:endParaRPr lang="ko-KR" altLang="en-US"/>
           </a:p>
@@ -1237,7 +1238,7 @@
           <a:p>
             <a:fld id="{61D863C5-9DB8-48A2-B5C1-82BDEA3317DC}" type="datetimeFigureOut">
               <a:rPr lang="ko-KR" altLang="en-US" smtClean="0"/>
-              <a:t>2018-11-01</a:t>
+              <a:t>2018-11-26</a:t>
             </a:fld>
             <a:endParaRPr lang="ko-KR" altLang="en-US"/>
           </a:p>
@@ -1604,7 +1605,7 @@
           <a:p>
             <a:fld id="{61D863C5-9DB8-48A2-B5C1-82BDEA3317DC}" type="datetimeFigureOut">
               <a:rPr lang="ko-KR" altLang="en-US" smtClean="0"/>
-              <a:t>2018-11-01</a:t>
+              <a:t>2018-11-26</a:t>
             </a:fld>
             <a:endParaRPr lang="ko-KR" altLang="en-US"/>
           </a:p>
@@ -1722,7 +1723,7 @@
           <a:p>
             <a:fld id="{61D863C5-9DB8-48A2-B5C1-82BDEA3317DC}" type="datetimeFigureOut">
               <a:rPr lang="ko-KR" altLang="en-US" smtClean="0"/>
-              <a:t>2018-11-01</a:t>
+              <a:t>2018-11-26</a:t>
             </a:fld>
             <a:endParaRPr lang="ko-KR" altLang="en-US"/>
           </a:p>
@@ -1817,7 +1818,7 @@
           <a:p>
             <a:fld id="{61D863C5-9DB8-48A2-B5C1-82BDEA3317DC}" type="datetimeFigureOut">
               <a:rPr lang="ko-KR" altLang="en-US" smtClean="0"/>
-              <a:t>2018-11-01</a:t>
+              <a:t>2018-11-26</a:t>
             </a:fld>
             <a:endParaRPr lang="ko-KR" altLang="en-US"/>
           </a:p>
@@ -2094,7 +2095,7 @@
           <a:p>
             <a:fld id="{61D863C5-9DB8-48A2-B5C1-82BDEA3317DC}" type="datetimeFigureOut">
               <a:rPr lang="ko-KR" altLang="en-US" smtClean="0"/>
-              <a:t>2018-11-01</a:t>
+              <a:t>2018-11-26</a:t>
             </a:fld>
             <a:endParaRPr lang="ko-KR" altLang="en-US"/>
           </a:p>
@@ -2347,7 +2348,7 @@
           <a:p>
             <a:fld id="{61D863C5-9DB8-48A2-B5C1-82BDEA3317DC}" type="datetimeFigureOut">
               <a:rPr lang="ko-KR" altLang="en-US" smtClean="0"/>
-              <a:t>2018-11-01</a:t>
+              <a:t>2018-11-26</a:t>
             </a:fld>
             <a:endParaRPr lang="ko-KR" altLang="en-US"/>
           </a:p>
@@ -2560,7 +2561,7 @@
           <a:p>
             <a:fld id="{61D863C5-9DB8-48A2-B5C1-82BDEA3317DC}" type="datetimeFigureOut">
               <a:rPr lang="ko-KR" altLang="en-US" smtClean="0"/>
-              <a:t>2018-11-01</a:t>
+              <a:t>2018-11-26</a:t>
             </a:fld>
             <a:endParaRPr lang="ko-KR" altLang="en-US"/>
           </a:p>
@@ -3362,11 +3363,7 @@
             </a:r>
             <a:r>
               <a:rPr lang="ko-KR" altLang="en-US" dirty="0" smtClean="0"/>
-              <a:t>급하기 방향을 </a:t>
-            </a:r>
-            <a:r>
-              <a:rPr lang="ko-KR" altLang="en-US" dirty="0" smtClean="0"/>
-              <a:t>꺾는다든지</a:t>
+              <a:t>급하기 방향을 꺾는다든지</a:t>
             </a:r>
             <a:r>
               <a:rPr lang="en-US" altLang="ko-KR" dirty="0" smtClean="0"/>
@@ -3404,15 +3401,7 @@
             </a:r>
             <a:r>
               <a:rPr lang="ko-KR" altLang="en-US" dirty="0" smtClean="0"/>
-              <a:t>필드에 </a:t>
-            </a:r>
-            <a:r>
-              <a:rPr lang="ko-KR" altLang="en-US" dirty="0" smtClean="0"/>
-              <a:t>사물을 </a:t>
-            </a:r>
-            <a:r>
-              <a:rPr lang="ko-KR" altLang="en-US" dirty="0" smtClean="0"/>
-              <a:t>활용</a:t>
+              <a:t>필드에 사물을 활용</a:t>
             </a:r>
             <a:r>
               <a:rPr lang="en-US" altLang="ko-KR" dirty="0" smtClean="0"/>
@@ -3428,19 +3417,7 @@
             </a:r>
             <a:r>
               <a:rPr lang="ko-KR" altLang="en-US" dirty="0" smtClean="0"/>
-              <a:t>사물을 </a:t>
-            </a:r>
-            <a:r>
-              <a:rPr lang="ko-KR" altLang="en-US" dirty="0" smtClean="0"/>
-              <a:t>넘어뜨려 쫓아오지 </a:t>
-            </a:r>
-            <a:r>
-              <a:rPr lang="ko-KR" altLang="en-US" dirty="0" smtClean="0"/>
-              <a:t>못하게 </a:t>
-            </a:r>
-            <a:r>
-              <a:rPr lang="ko-KR" altLang="en-US" dirty="0" smtClean="0"/>
-              <a:t>하는 등</a:t>
+              <a:t>사물을 넘어뜨려 쫓아오지 못하게 하는 등</a:t>
             </a:r>
             <a:r>
               <a:rPr lang="en-US" altLang="ko-KR" dirty="0" smtClean="0"/>
@@ -3532,11 +3509,7 @@
             </a:r>
             <a:r>
               <a:rPr lang="ko-KR" altLang="en-US" dirty="0" smtClean="0"/>
-              <a:t>벽으로 미로 </a:t>
-            </a:r>
-            <a:r>
-              <a:rPr lang="ko-KR" altLang="en-US" dirty="0" smtClean="0"/>
-              <a:t>구성</a:t>
+              <a:t>벽으로 미로 구성</a:t>
             </a:r>
             <a:endParaRPr lang="en-US" altLang="ko-KR" dirty="0" smtClean="0"/>
           </a:p>
@@ -3667,11 +3640,7 @@
             </a:r>
             <a:r>
               <a:rPr lang="en-US" altLang="ko-KR" dirty="0" smtClean="0"/>
-              <a:t>)</a:t>
-            </a:r>
-            <a:r>
-              <a:rPr lang="en-US" altLang="ko-KR" dirty="0" smtClean="0"/>
-              <a:t> </a:t>
+              <a:t>) </a:t>
             </a:r>
           </a:p>
           <a:p>
@@ -3683,6 +3652,134 @@
     <p:extLst>
       <p:ext uri="{BB962C8B-B14F-4D97-AF65-F5344CB8AC3E}">
         <p14:creationId xmlns:p14="http://schemas.microsoft.com/office/powerpoint/2010/main" val="654205874"/>
+      </p:ext>
+    </p:extLst>
+  </p:cSld>
+  <p:clrMapOvr>
+    <a:masterClrMapping/>
+  </p:clrMapOvr>
+</p:sld>
+</file>
+
+<file path=ppt/slides/slide3.xml><?xml version="1.0" encoding="utf-8"?>
+<p:sld xmlns:a="http://schemas.openxmlformats.org/drawingml/2006/main" xmlns:r="http://schemas.openxmlformats.org/officeDocument/2006/relationships" xmlns:p="http://schemas.openxmlformats.org/presentationml/2006/main">
+  <p:cSld>
+    <p:spTree>
+      <p:nvGrpSpPr>
+        <p:cNvPr id="1" name=""/>
+        <p:cNvGrpSpPr/>
+        <p:nvPr/>
+      </p:nvGrpSpPr>
+      <p:grpSpPr>
+        <a:xfrm>
+          <a:off x="0" y="0"/>
+          <a:ext cx="0" cy="0"/>
+          <a:chOff x="0" y="0"/>
+          <a:chExt cx="0" cy="0"/>
+        </a:xfrm>
+      </p:grpSpPr>
+      <p:sp>
+        <p:nvSpPr>
+          <p:cNvPr id="10" name="TextBox 9"/>
+          <p:cNvSpPr txBox="1"/>
+          <p:nvPr/>
+        </p:nvSpPr>
+        <p:spPr>
+          <a:xfrm>
+            <a:off x="287383" y="1476101"/>
+            <a:ext cx="11469188" cy="1200329"/>
+          </a:xfrm>
+          <a:prstGeom prst="rect">
+            <a:avLst/>
+          </a:prstGeom>
+          <a:noFill/>
+        </p:spPr>
+        <p:txBody>
+          <a:bodyPr wrap="square" rtlCol="0">
+            <a:spAutoFit/>
+          </a:bodyPr>
+          <a:lstStyle/>
+          <a:p>
+            <a:r>
+              <a:rPr lang="en-US" altLang="ko-KR" dirty="0" smtClean="0"/>
+              <a:t>&lt;</a:t>
+            </a:r>
+            <a:r>
+              <a:rPr lang="ko-KR" altLang="en-US" dirty="0" err="1" smtClean="0"/>
+              <a:t>맵</a:t>
+            </a:r>
+            <a:r>
+              <a:rPr lang="en-US" altLang="ko-KR" dirty="0" smtClean="0"/>
+              <a:t>&gt; - Editor</a:t>
+            </a:r>
+          </a:p>
+          <a:p>
+            <a:endParaRPr lang="en-US" altLang="ko-KR" dirty="0"/>
+          </a:p>
+          <a:p>
+            <a:r>
+              <a:rPr lang="en-US" altLang="ko-KR" dirty="0" smtClean="0"/>
+              <a:t>MapManager Class</a:t>
+            </a:r>
+          </a:p>
+          <a:p>
+            <a:r>
+              <a:rPr lang="en-US" altLang="ko-KR" dirty="0" err="1" smtClean="0"/>
+              <a:t>MapManagerInspector</a:t>
+            </a:r>
+            <a:r>
+              <a:rPr lang="en-US" altLang="ko-KR" dirty="0" smtClean="0"/>
+              <a:t> Class</a:t>
+            </a:r>
+            <a:endParaRPr lang="ko-KR" altLang="en-US" dirty="0"/>
+          </a:p>
+        </p:txBody>
+      </p:sp>
+      <p:sp>
+        <p:nvSpPr>
+          <p:cNvPr id="12" name="TextBox 11"/>
+          <p:cNvSpPr txBox="1"/>
+          <p:nvPr/>
+        </p:nvSpPr>
+        <p:spPr>
+          <a:xfrm>
+            <a:off x="439783" y="275772"/>
+            <a:ext cx="11469188" cy="646331"/>
+          </a:xfrm>
+          <a:prstGeom prst="rect">
+            <a:avLst/>
+          </a:prstGeom>
+          <a:noFill/>
+        </p:spPr>
+        <p:txBody>
+          <a:bodyPr wrap="square" rtlCol="0">
+            <a:spAutoFit/>
+          </a:bodyPr>
+          <a:lstStyle/>
+          <a:p>
+            <a:r>
+              <a:rPr lang="en-US" altLang="ko-KR" dirty="0" err="1" smtClean="0"/>
+              <a:t>Enum.cs</a:t>
+            </a:r>
+            <a:endParaRPr lang="en-US" altLang="ko-KR" dirty="0" smtClean="0"/>
+          </a:p>
+          <a:p>
+            <a:r>
+              <a:rPr lang="ko-KR" altLang="en-US" dirty="0" err="1" smtClean="0"/>
+              <a:t>열거형</a:t>
+            </a:r>
+            <a:r>
+              <a:rPr lang="ko-KR" altLang="en-US" dirty="0" smtClean="0"/>
+              <a:t> 선언</a:t>
+            </a:r>
+            <a:endParaRPr lang="ko-KR" altLang="en-US" dirty="0"/>
+          </a:p>
+        </p:txBody>
+      </p:sp>
+    </p:spTree>
+    <p:extLst>
+      <p:ext uri="{BB962C8B-B14F-4D97-AF65-F5344CB8AC3E}">
+        <p14:creationId xmlns:p14="http://schemas.microsoft.com/office/powerpoint/2010/main" val="4160876687"/>
       </p:ext>
     </p:extLst>
   </p:cSld>
@@ -3947,7 +4044,7 @@
   <a:extraClrSchemeLst/>
   <a:extLst>
     <a:ext uri="{05A4C25C-085E-4340-85A3-A5531E510DB2}">
-      <thm15:themeFamily xmlns:thm15="http://schemas.microsoft.com/office/thememl/2012/main" xmlns="" name="Office Theme" id="{62F939B6-93AF-4DB8-9C6B-D6C7DFDC589F}" vid="{4A3C46E8-61CC-4603-A589-7422A47A8E4A}"/>
+      <thm15:themeFamily xmlns="" xmlns:thm15="http://schemas.microsoft.com/office/thememl/2012/main" name="Office Theme" id="{62F939B6-93AF-4DB8-9C6B-D6C7DFDC589F}" vid="{4A3C46E8-61CC-4603-A589-7422A47A8E4A}"/>
     </a:ext>
   </a:extLst>
 </a:theme>
